--- a/ppt 16-9/1378.你们是世上盐.pptx
+++ b/ppt 16-9/1378.你们是世上盐.pptx
@@ -5,7 +5,7 @@
     <p:sldMasterId id="2147483648" r:id="rId1"/>
   </p:sldMasterIdLst>
   <p:sldIdLst>
-    <p:sldId id="947" r:id="rId2"/>
+    <p:sldId id="948" r:id="rId2"/>
   </p:sldIdLst>
   <p:sldSz cx="12192000" cy="6858000"/>
   <p:notesSz cx="6858000" cy="9144000"/>
@@ -129,7 +129,7 @@
           <p:cNvPr id="2" name="标题 1">
             <a:extLst>
               <a:ext uri="{FF2B5EF4-FFF2-40B4-BE49-F238E27FC236}">
-                <a16:creationId xmlns:a16="http://schemas.microsoft.com/office/drawing/2014/main" id="{C598BAE2-B382-FB9B-4FDD-A1667276744D}"/>
+                <a16:creationId xmlns:a16="http://schemas.microsoft.com/office/drawing/2014/main" id="{C7C3ECEA-2A6D-60FC-BEBF-3782DA54A526}"/>
               </a:ext>
             </a:extLst>
           </p:cNvPr>
@@ -166,7 +166,7 @@
           <p:cNvPr id="3" name="副标题 2">
             <a:extLst>
               <a:ext uri="{FF2B5EF4-FFF2-40B4-BE49-F238E27FC236}">
-                <a16:creationId xmlns:a16="http://schemas.microsoft.com/office/drawing/2014/main" id="{E748E45E-2AFA-B385-2938-6484A67FC348}"/>
+                <a16:creationId xmlns:a16="http://schemas.microsoft.com/office/drawing/2014/main" id="{436A3EF7-27A6-D515-99FC-EC4ACA4FCA7B}"/>
               </a:ext>
             </a:extLst>
           </p:cNvPr>
@@ -236,7 +236,7 @@
           <p:cNvPr id="4" name="日期占位符 3">
             <a:extLst>
               <a:ext uri="{FF2B5EF4-FFF2-40B4-BE49-F238E27FC236}">
-                <a16:creationId xmlns:a16="http://schemas.microsoft.com/office/drawing/2014/main" id="{8545B344-57E9-4DA4-CCA2-C812AE83B2E5}"/>
+                <a16:creationId xmlns:a16="http://schemas.microsoft.com/office/drawing/2014/main" id="{1B1645B2-A9CC-7E59-1DC8-20812275DBD5}"/>
               </a:ext>
             </a:extLst>
           </p:cNvPr>
@@ -252,7 +252,7 @@
           <a:bodyPr/>
           <a:lstStyle/>
           <a:p>
-            <a:fld id="{9B991F5E-D514-49CF-BAF9-0135A984EAE1}" type="datetimeFigureOut">
+            <a:fld id="{C8095350-7F8E-4758-B6BF-B6BE980CD754}" type="datetimeFigureOut">
               <a:rPr lang="zh-CN" altLang="en-US" smtClean="0"/>
               <a:t>2024/3/10</a:t>
             </a:fld>
@@ -265,7 +265,7 @@
           <p:cNvPr id="5" name="页脚占位符 4">
             <a:extLst>
               <a:ext uri="{FF2B5EF4-FFF2-40B4-BE49-F238E27FC236}">
-                <a16:creationId xmlns:a16="http://schemas.microsoft.com/office/drawing/2014/main" id="{E2E26AD1-9F93-2527-E87C-6D31930D8384}"/>
+                <a16:creationId xmlns:a16="http://schemas.microsoft.com/office/drawing/2014/main" id="{E2A4AA7E-5A8B-2258-5BE1-D8E122DE50E0}"/>
               </a:ext>
             </a:extLst>
           </p:cNvPr>
@@ -290,7 +290,7 @@
           <p:cNvPr id="6" name="灯片编号占位符 5">
             <a:extLst>
               <a:ext uri="{FF2B5EF4-FFF2-40B4-BE49-F238E27FC236}">
-                <a16:creationId xmlns:a16="http://schemas.microsoft.com/office/drawing/2014/main" id="{590A2798-6B2D-684A-0B95-6F5F26AEAC04}"/>
+                <a16:creationId xmlns:a16="http://schemas.microsoft.com/office/drawing/2014/main" id="{13631258-7459-4E4F-7111-3249CB268C28}"/>
               </a:ext>
             </a:extLst>
           </p:cNvPr>
@@ -306,7 +306,7 @@
           <a:bodyPr/>
           <a:lstStyle/>
           <a:p>
-            <a:fld id="{D965DAD9-E304-440B-BFC9-F3A55D8E5F00}" type="slidenum">
+            <a:fld id="{F6BEF0DF-2CB4-4785-AE62-4670BB3B4201}" type="slidenum">
               <a:rPr lang="zh-CN" altLang="en-US" smtClean="0"/>
               <a:t>‹#›</a:t>
             </a:fld>
@@ -317,7 +317,7 @@
     </p:spTree>
     <p:extLst>
       <p:ext uri="{BB962C8B-B14F-4D97-AF65-F5344CB8AC3E}">
-        <p14:creationId xmlns:p14="http://schemas.microsoft.com/office/powerpoint/2010/main" val="2504894563"/>
+        <p14:creationId xmlns:p14="http://schemas.microsoft.com/office/powerpoint/2010/main" val="745678538"/>
       </p:ext>
     </p:extLst>
   </p:cSld>
@@ -349,7 +349,7 @@
           <p:cNvPr id="2" name="标题 1">
             <a:extLst>
               <a:ext uri="{FF2B5EF4-FFF2-40B4-BE49-F238E27FC236}">
-                <a16:creationId xmlns:a16="http://schemas.microsoft.com/office/drawing/2014/main" id="{84414E06-1D07-E779-2096-BD6F584DC833}"/>
+                <a16:creationId xmlns:a16="http://schemas.microsoft.com/office/drawing/2014/main" id="{B65E7F69-4F72-531F-218E-F5EB1A81B64F}"/>
               </a:ext>
             </a:extLst>
           </p:cNvPr>
@@ -377,7 +377,7 @@
           <p:cNvPr id="3" name="竖排文字占位符 2">
             <a:extLst>
               <a:ext uri="{FF2B5EF4-FFF2-40B4-BE49-F238E27FC236}">
-                <a16:creationId xmlns:a16="http://schemas.microsoft.com/office/drawing/2014/main" id="{1B54A66C-C214-12E0-BCDF-7194B7237952}"/>
+                <a16:creationId xmlns:a16="http://schemas.microsoft.com/office/drawing/2014/main" id="{0A88833C-6314-A454-6D84-BCE793523EAA}"/>
               </a:ext>
             </a:extLst>
           </p:cNvPr>
@@ -434,7 +434,7 @@
           <p:cNvPr id="4" name="日期占位符 3">
             <a:extLst>
               <a:ext uri="{FF2B5EF4-FFF2-40B4-BE49-F238E27FC236}">
-                <a16:creationId xmlns:a16="http://schemas.microsoft.com/office/drawing/2014/main" id="{6DD4E306-C248-10C6-16EA-9481FD9C9AE9}"/>
+                <a16:creationId xmlns:a16="http://schemas.microsoft.com/office/drawing/2014/main" id="{9BE5D12B-354B-B3AC-9A5D-054BEBEB1BFF}"/>
               </a:ext>
             </a:extLst>
           </p:cNvPr>
@@ -450,7 +450,7 @@
           <a:bodyPr/>
           <a:lstStyle/>
           <a:p>
-            <a:fld id="{9B991F5E-D514-49CF-BAF9-0135A984EAE1}" type="datetimeFigureOut">
+            <a:fld id="{C8095350-7F8E-4758-B6BF-B6BE980CD754}" type="datetimeFigureOut">
               <a:rPr lang="zh-CN" altLang="en-US" smtClean="0"/>
               <a:t>2024/3/10</a:t>
             </a:fld>
@@ -463,7 +463,7 @@
           <p:cNvPr id="5" name="页脚占位符 4">
             <a:extLst>
               <a:ext uri="{FF2B5EF4-FFF2-40B4-BE49-F238E27FC236}">
-                <a16:creationId xmlns:a16="http://schemas.microsoft.com/office/drawing/2014/main" id="{7EDE2325-5E6E-9D09-1BD6-854AA6B88EE4}"/>
+                <a16:creationId xmlns:a16="http://schemas.microsoft.com/office/drawing/2014/main" id="{0B7ACF11-7982-DD10-45D5-EFE43E7CC698}"/>
               </a:ext>
             </a:extLst>
           </p:cNvPr>
@@ -488,7 +488,7 @@
           <p:cNvPr id="6" name="灯片编号占位符 5">
             <a:extLst>
               <a:ext uri="{FF2B5EF4-FFF2-40B4-BE49-F238E27FC236}">
-                <a16:creationId xmlns:a16="http://schemas.microsoft.com/office/drawing/2014/main" id="{664C2463-A96F-102E-9DF4-FE8807938E1A}"/>
+                <a16:creationId xmlns:a16="http://schemas.microsoft.com/office/drawing/2014/main" id="{133D2EF8-5964-A7F1-3CAE-470E7A268625}"/>
               </a:ext>
             </a:extLst>
           </p:cNvPr>
@@ -504,7 +504,7 @@
           <a:bodyPr/>
           <a:lstStyle/>
           <a:p>
-            <a:fld id="{D965DAD9-E304-440B-BFC9-F3A55D8E5F00}" type="slidenum">
+            <a:fld id="{F6BEF0DF-2CB4-4785-AE62-4670BB3B4201}" type="slidenum">
               <a:rPr lang="zh-CN" altLang="en-US" smtClean="0"/>
               <a:t>‹#›</a:t>
             </a:fld>
@@ -515,7 +515,7 @@
     </p:spTree>
     <p:extLst>
       <p:ext uri="{BB962C8B-B14F-4D97-AF65-F5344CB8AC3E}">
-        <p14:creationId xmlns:p14="http://schemas.microsoft.com/office/powerpoint/2010/main" val="247084907"/>
+        <p14:creationId xmlns:p14="http://schemas.microsoft.com/office/powerpoint/2010/main" val="3046905713"/>
       </p:ext>
     </p:extLst>
   </p:cSld>
@@ -547,7 +547,7 @@
           <p:cNvPr id="2" name="竖排标题 1">
             <a:extLst>
               <a:ext uri="{FF2B5EF4-FFF2-40B4-BE49-F238E27FC236}">
-                <a16:creationId xmlns:a16="http://schemas.microsoft.com/office/drawing/2014/main" id="{BD687C28-A5D0-DA26-83DA-D1D2A02C08A8}"/>
+                <a16:creationId xmlns:a16="http://schemas.microsoft.com/office/drawing/2014/main" id="{ABA2CD57-2468-EC9F-2CD1-10496BB94EEC}"/>
               </a:ext>
             </a:extLst>
           </p:cNvPr>
@@ -580,7 +580,7 @@
           <p:cNvPr id="3" name="竖排文字占位符 2">
             <a:extLst>
               <a:ext uri="{FF2B5EF4-FFF2-40B4-BE49-F238E27FC236}">
-                <a16:creationId xmlns:a16="http://schemas.microsoft.com/office/drawing/2014/main" id="{8DB126AD-31D6-5101-5881-F46B4C901CF6}"/>
+                <a16:creationId xmlns:a16="http://schemas.microsoft.com/office/drawing/2014/main" id="{0F94B9F0-567D-6AAE-67B3-60CA51404AF7}"/>
               </a:ext>
             </a:extLst>
           </p:cNvPr>
@@ -642,7 +642,7 @@
           <p:cNvPr id="4" name="日期占位符 3">
             <a:extLst>
               <a:ext uri="{FF2B5EF4-FFF2-40B4-BE49-F238E27FC236}">
-                <a16:creationId xmlns:a16="http://schemas.microsoft.com/office/drawing/2014/main" id="{BE956AA9-7F41-7DE2-565F-8519AA49AF1F}"/>
+                <a16:creationId xmlns:a16="http://schemas.microsoft.com/office/drawing/2014/main" id="{4B3C39F1-D1C1-4348-1942-571A9D7E48B6}"/>
               </a:ext>
             </a:extLst>
           </p:cNvPr>
@@ -658,7 +658,7 @@
           <a:bodyPr/>
           <a:lstStyle/>
           <a:p>
-            <a:fld id="{9B991F5E-D514-49CF-BAF9-0135A984EAE1}" type="datetimeFigureOut">
+            <a:fld id="{C8095350-7F8E-4758-B6BF-B6BE980CD754}" type="datetimeFigureOut">
               <a:rPr lang="zh-CN" altLang="en-US" smtClean="0"/>
               <a:t>2024/3/10</a:t>
             </a:fld>
@@ -671,7 +671,7 @@
           <p:cNvPr id="5" name="页脚占位符 4">
             <a:extLst>
               <a:ext uri="{FF2B5EF4-FFF2-40B4-BE49-F238E27FC236}">
-                <a16:creationId xmlns:a16="http://schemas.microsoft.com/office/drawing/2014/main" id="{905C4507-3974-C604-2E6E-F931D67B0EA6}"/>
+                <a16:creationId xmlns:a16="http://schemas.microsoft.com/office/drawing/2014/main" id="{8FB25914-C8B4-88D3-9486-31AB86B2DD68}"/>
               </a:ext>
             </a:extLst>
           </p:cNvPr>
@@ -696,7 +696,7 @@
           <p:cNvPr id="6" name="灯片编号占位符 5">
             <a:extLst>
               <a:ext uri="{FF2B5EF4-FFF2-40B4-BE49-F238E27FC236}">
-                <a16:creationId xmlns:a16="http://schemas.microsoft.com/office/drawing/2014/main" id="{FDA6683F-B12B-ADE5-B448-0A248326326E}"/>
+                <a16:creationId xmlns:a16="http://schemas.microsoft.com/office/drawing/2014/main" id="{48D13108-65CE-4590-24FC-04228165BBB5}"/>
               </a:ext>
             </a:extLst>
           </p:cNvPr>
@@ -712,7 +712,7 @@
           <a:bodyPr/>
           <a:lstStyle/>
           <a:p>
-            <a:fld id="{D965DAD9-E304-440B-BFC9-F3A55D8E5F00}" type="slidenum">
+            <a:fld id="{F6BEF0DF-2CB4-4785-AE62-4670BB3B4201}" type="slidenum">
               <a:rPr lang="zh-CN" altLang="en-US" smtClean="0"/>
               <a:t>‹#›</a:t>
             </a:fld>
@@ -723,7 +723,7 @@
     </p:spTree>
     <p:extLst>
       <p:ext uri="{BB962C8B-B14F-4D97-AF65-F5344CB8AC3E}">
-        <p14:creationId xmlns:p14="http://schemas.microsoft.com/office/powerpoint/2010/main" val="190742261"/>
+        <p14:creationId xmlns:p14="http://schemas.microsoft.com/office/powerpoint/2010/main" val="1982091512"/>
       </p:ext>
     </p:extLst>
   </p:cSld>
@@ -755,7 +755,7 @@
           <p:cNvPr id="2" name="标题 1">
             <a:extLst>
               <a:ext uri="{FF2B5EF4-FFF2-40B4-BE49-F238E27FC236}">
-                <a16:creationId xmlns:a16="http://schemas.microsoft.com/office/drawing/2014/main" id="{7C1EE406-21A6-FDD3-3BBF-6C78A74A542F}"/>
+                <a16:creationId xmlns:a16="http://schemas.microsoft.com/office/drawing/2014/main" id="{65727B7B-AF09-EB77-AF6D-0FA4431BBE68}"/>
               </a:ext>
             </a:extLst>
           </p:cNvPr>
@@ -783,7 +783,7 @@
           <p:cNvPr id="3" name="内容占位符 2">
             <a:extLst>
               <a:ext uri="{FF2B5EF4-FFF2-40B4-BE49-F238E27FC236}">
-                <a16:creationId xmlns:a16="http://schemas.microsoft.com/office/drawing/2014/main" id="{B5E43AD4-1A6A-B20D-8DBD-936050482708}"/>
+                <a16:creationId xmlns:a16="http://schemas.microsoft.com/office/drawing/2014/main" id="{71415AE2-B109-1A26-DBCF-349CDBACF1D8}"/>
               </a:ext>
             </a:extLst>
           </p:cNvPr>
@@ -840,7 +840,7 @@
           <p:cNvPr id="4" name="日期占位符 3">
             <a:extLst>
               <a:ext uri="{FF2B5EF4-FFF2-40B4-BE49-F238E27FC236}">
-                <a16:creationId xmlns:a16="http://schemas.microsoft.com/office/drawing/2014/main" id="{6F5760D7-8989-0728-1F74-F695212A3AB0}"/>
+                <a16:creationId xmlns:a16="http://schemas.microsoft.com/office/drawing/2014/main" id="{7603340A-D3A1-B377-0413-66F0F5AC0DDB}"/>
               </a:ext>
             </a:extLst>
           </p:cNvPr>
@@ -856,7 +856,7 @@
           <a:bodyPr/>
           <a:lstStyle/>
           <a:p>
-            <a:fld id="{9B991F5E-D514-49CF-BAF9-0135A984EAE1}" type="datetimeFigureOut">
+            <a:fld id="{C8095350-7F8E-4758-B6BF-B6BE980CD754}" type="datetimeFigureOut">
               <a:rPr lang="zh-CN" altLang="en-US" smtClean="0"/>
               <a:t>2024/3/10</a:t>
             </a:fld>
@@ -869,7 +869,7 @@
           <p:cNvPr id="5" name="页脚占位符 4">
             <a:extLst>
               <a:ext uri="{FF2B5EF4-FFF2-40B4-BE49-F238E27FC236}">
-                <a16:creationId xmlns:a16="http://schemas.microsoft.com/office/drawing/2014/main" id="{A00CE004-0270-2A02-B2D6-B7201CC49A17}"/>
+                <a16:creationId xmlns:a16="http://schemas.microsoft.com/office/drawing/2014/main" id="{7CF64DA6-EAF9-35AF-2698-1F1DDB47F423}"/>
               </a:ext>
             </a:extLst>
           </p:cNvPr>
@@ -894,7 +894,7 @@
           <p:cNvPr id="6" name="灯片编号占位符 5">
             <a:extLst>
               <a:ext uri="{FF2B5EF4-FFF2-40B4-BE49-F238E27FC236}">
-                <a16:creationId xmlns:a16="http://schemas.microsoft.com/office/drawing/2014/main" id="{D59CCD80-8829-51D2-C887-D8C7FEA338FD}"/>
+                <a16:creationId xmlns:a16="http://schemas.microsoft.com/office/drawing/2014/main" id="{D378E334-9103-FF76-57F5-21BD3B59A751}"/>
               </a:ext>
             </a:extLst>
           </p:cNvPr>
@@ -910,7 +910,7 @@
           <a:bodyPr/>
           <a:lstStyle/>
           <a:p>
-            <a:fld id="{D965DAD9-E304-440B-BFC9-F3A55D8E5F00}" type="slidenum">
+            <a:fld id="{F6BEF0DF-2CB4-4785-AE62-4670BB3B4201}" type="slidenum">
               <a:rPr lang="zh-CN" altLang="en-US" smtClean="0"/>
               <a:t>‹#›</a:t>
             </a:fld>
@@ -921,7 +921,7 @@
     </p:spTree>
     <p:extLst>
       <p:ext uri="{BB962C8B-B14F-4D97-AF65-F5344CB8AC3E}">
-        <p14:creationId xmlns:p14="http://schemas.microsoft.com/office/powerpoint/2010/main" val="1870825600"/>
+        <p14:creationId xmlns:p14="http://schemas.microsoft.com/office/powerpoint/2010/main" val="1840378633"/>
       </p:ext>
     </p:extLst>
   </p:cSld>
@@ -953,7 +953,7 @@
           <p:cNvPr id="2" name="标题 1">
             <a:extLst>
               <a:ext uri="{FF2B5EF4-FFF2-40B4-BE49-F238E27FC236}">
-                <a16:creationId xmlns:a16="http://schemas.microsoft.com/office/drawing/2014/main" id="{78A9AD54-0BAC-2624-43EF-60D9385FD4F7}"/>
+                <a16:creationId xmlns:a16="http://schemas.microsoft.com/office/drawing/2014/main" id="{AC32B4DC-85AD-8A57-FF3E-2EF68459AAFD}"/>
               </a:ext>
             </a:extLst>
           </p:cNvPr>
@@ -990,7 +990,7 @@
           <p:cNvPr id="3" name="文本占位符 2">
             <a:extLst>
               <a:ext uri="{FF2B5EF4-FFF2-40B4-BE49-F238E27FC236}">
-                <a16:creationId xmlns:a16="http://schemas.microsoft.com/office/drawing/2014/main" id="{D4C6A25E-0867-06B2-5291-FCFB3CCCB21D}"/>
+                <a16:creationId xmlns:a16="http://schemas.microsoft.com/office/drawing/2014/main" id="{E91363D0-0BCB-CB9C-C9B7-381F2AE10CE4}"/>
               </a:ext>
             </a:extLst>
           </p:cNvPr>
@@ -1115,7 +1115,7 @@
           <p:cNvPr id="4" name="日期占位符 3">
             <a:extLst>
               <a:ext uri="{FF2B5EF4-FFF2-40B4-BE49-F238E27FC236}">
-                <a16:creationId xmlns:a16="http://schemas.microsoft.com/office/drawing/2014/main" id="{9B418BB2-937F-90EC-5F41-AD4901BEABB8}"/>
+                <a16:creationId xmlns:a16="http://schemas.microsoft.com/office/drawing/2014/main" id="{BF34D9E4-0E2B-E9B7-6BF4-4596D0620462}"/>
               </a:ext>
             </a:extLst>
           </p:cNvPr>
@@ -1131,7 +1131,7 @@
           <a:bodyPr/>
           <a:lstStyle/>
           <a:p>
-            <a:fld id="{9B991F5E-D514-49CF-BAF9-0135A984EAE1}" type="datetimeFigureOut">
+            <a:fld id="{C8095350-7F8E-4758-B6BF-B6BE980CD754}" type="datetimeFigureOut">
               <a:rPr lang="zh-CN" altLang="en-US" smtClean="0"/>
               <a:t>2024/3/10</a:t>
             </a:fld>
@@ -1144,7 +1144,7 @@
           <p:cNvPr id="5" name="页脚占位符 4">
             <a:extLst>
               <a:ext uri="{FF2B5EF4-FFF2-40B4-BE49-F238E27FC236}">
-                <a16:creationId xmlns:a16="http://schemas.microsoft.com/office/drawing/2014/main" id="{10E5AE19-24D2-E409-F37B-2B86F11A90CF}"/>
+                <a16:creationId xmlns:a16="http://schemas.microsoft.com/office/drawing/2014/main" id="{AFBF2DE5-1CE8-94CC-F27C-9C52016FE1E4}"/>
               </a:ext>
             </a:extLst>
           </p:cNvPr>
@@ -1169,7 +1169,7 @@
           <p:cNvPr id="6" name="灯片编号占位符 5">
             <a:extLst>
               <a:ext uri="{FF2B5EF4-FFF2-40B4-BE49-F238E27FC236}">
-                <a16:creationId xmlns:a16="http://schemas.microsoft.com/office/drawing/2014/main" id="{B06388DD-AE1D-CD5E-5049-CA42913852BE}"/>
+                <a16:creationId xmlns:a16="http://schemas.microsoft.com/office/drawing/2014/main" id="{AC538C8E-6B4B-F6E4-C83D-7908E82AAFDA}"/>
               </a:ext>
             </a:extLst>
           </p:cNvPr>
@@ -1185,7 +1185,7 @@
           <a:bodyPr/>
           <a:lstStyle/>
           <a:p>
-            <a:fld id="{D965DAD9-E304-440B-BFC9-F3A55D8E5F00}" type="slidenum">
+            <a:fld id="{F6BEF0DF-2CB4-4785-AE62-4670BB3B4201}" type="slidenum">
               <a:rPr lang="zh-CN" altLang="en-US" smtClean="0"/>
               <a:t>‹#›</a:t>
             </a:fld>
@@ -1196,7 +1196,7 @@
     </p:spTree>
     <p:extLst>
       <p:ext uri="{BB962C8B-B14F-4D97-AF65-F5344CB8AC3E}">
-        <p14:creationId xmlns:p14="http://schemas.microsoft.com/office/powerpoint/2010/main" val="2128145842"/>
+        <p14:creationId xmlns:p14="http://schemas.microsoft.com/office/powerpoint/2010/main" val="2401120979"/>
       </p:ext>
     </p:extLst>
   </p:cSld>
@@ -1228,7 +1228,7 @@
           <p:cNvPr id="2" name="标题 1">
             <a:extLst>
               <a:ext uri="{FF2B5EF4-FFF2-40B4-BE49-F238E27FC236}">
-                <a16:creationId xmlns:a16="http://schemas.microsoft.com/office/drawing/2014/main" id="{0C48C929-4B2A-19AF-DA75-98D48B0359B0}"/>
+                <a16:creationId xmlns:a16="http://schemas.microsoft.com/office/drawing/2014/main" id="{38B5DBCF-C0DF-026A-50D8-2E7E1A6B8CB2}"/>
               </a:ext>
             </a:extLst>
           </p:cNvPr>
@@ -1256,7 +1256,7 @@
           <p:cNvPr id="3" name="内容占位符 2">
             <a:extLst>
               <a:ext uri="{FF2B5EF4-FFF2-40B4-BE49-F238E27FC236}">
-                <a16:creationId xmlns:a16="http://schemas.microsoft.com/office/drawing/2014/main" id="{3AF405D7-98CA-053A-3312-343D051C88A0}"/>
+                <a16:creationId xmlns:a16="http://schemas.microsoft.com/office/drawing/2014/main" id="{007D5C3C-C0EC-E624-1F3D-585F1A41AC24}"/>
               </a:ext>
             </a:extLst>
           </p:cNvPr>
@@ -1318,7 +1318,7 @@
           <p:cNvPr id="4" name="内容占位符 3">
             <a:extLst>
               <a:ext uri="{FF2B5EF4-FFF2-40B4-BE49-F238E27FC236}">
-                <a16:creationId xmlns:a16="http://schemas.microsoft.com/office/drawing/2014/main" id="{8D006556-4124-25C4-08A3-2C499F99ECDD}"/>
+                <a16:creationId xmlns:a16="http://schemas.microsoft.com/office/drawing/2014/main" id="{0CF9D249-C047-374B-8AFF-1A22D2B7A2FC}"/>
               </a:ext>
             </a:extLst>
           </p:cNvPr>
@@ -1380,7 +1380,7 @@
           <p:cNvPr id="5" name="日期占位符 4">
             <a:extLst>
               <a:ext uri="{FF2B5EF4-FFF2-40B4-BE49-F238E27FC236}">
-                <a16:creationId xmlns:a16="http://schemas.microsoft.com/office/drawing/2014/main" id="{A1CD9705-E7CC-91E1-2B11-1AC7EAD0F7B3}"/>
+                <a16:creationId xmlns:a16="http://schemas.microsoft.com/office/drawing/2014/main" id="{02019F14-E33A-59E1-8882-C818A57D5841}"/>
               </a:ext>
             </a:extLst>
           </p:cNvPr>
@@ -1396,7 +1396,7 @@
           <a:bodyPr/>
           <a:lstStyle/>
           <a:p>
-            <a:fld id="{9B991F5E-D514-49CF-BAF9-0135A984EAE1}" type="datetimeFigureOut">
+            <a:fld id="{C8095350-7F8E-4758-B6BF-B6BE980CD754}" type="datetimeFigureOut">
               <a:rPr lang="zh-CN" altLang="en-US" smtClean="0"/>
               <a:t>2024/3/10</a:t>
             </a:fld>
@@ -1409,7 +1409,7 @@
           <p:cNvPr id="6" name="页脚占位符 5">
             <a:extLst>
               <a:ext uri="{FF2B5EF4-FFF2-40B4-BE49-F238E27FC236}">
-                <a16:creationId xmlns:a16="http://schemas.microsoft.com/office/drawing/2014/main" id="{2845328D-C3E1-9818-ECD9-3C74B075EE40}"/>
+                <a16:creationId xmlns:a16="http://schemas.microsoft.com/office/drawing/2014/main" id="{2B9049B5-5AEB-39E2-31DC-61C24A9786BD}"/>
               </a:ext>
             </a:extLst>
           </p:cNvPr>
@@ -1434,7 +1434,7 @@
           <p:cNvPr id="7" name="灯片编号占位符 6">
             <a:extLst>
               <a:ext uri="{FF2B5EF4-FFF2-40B4-BE49-F238E27FC236}">
-                <a16:creationId xmlns:a16="http://schemas.microsoft.com/office/drawing/2014/main" id="{C814AD49-EAC1-7F86-C50D-F4073E0982FC}"/>
+                <a16:creationId xmlns:a16="http://schemas.microsoft.com/office/drawing/2014/main" id="{72362BDB-AE88-DCF8-A528-9CBDF550081F}"/>
               </a:ext>
             </a:extLst>
           </p:cNvPr>
@@ -1450,7 +1450,7 @@
           <a:bodyPr/>
           <a:lstStyle/>
           <a:p>
-            <a:fld id="{D965DAD9-E304-440B-BFC9-F3A55D8E5F00}" type="slidenum">
+            <a:fld id="{F6BEF0DF-2CB4-4785-AE62-4670BB3B4201}" type="slidenum">
               <a:rPr lang="zh-CN" altLang="en-US" smtClean="0"/>
               <a:t>‹#›</a:t>
             </a:fld>
@@ -1461,7 +1461,7 @@
     </p:spTree>
     <p:extLst>
       <p:ext uri="{BB962C8B-B14F-4D97-AF65-F5344CB8AC3E}">
-        <p14:creationId xmlns:p14="http://schemas.microsoft.com/office/powerpoint/2010/main" val="3651175149"/>
+        <p14:creationId xmlns:p14="http://schemas.microsoft.com/office/powerpoint/2010/main" val="4235938827"/>
       </p:ext>
     </p:extLst>
   </p:cSld>
@@ -1493,7 +1493,7 @@
           <p:cNvPr id="2" name="标题 1">
             <a:extLst>
               <a:ext uri="{FF2B5EF4-FFF2-40B4-BE49-F238E27FC236}">
-                <a16:creationId xmlns:a16="http://schemas.microsoft.com/office/drawing/2014/main" id="{DABF317B-4A7B-52BD-1D1A-226368B23EB5}"/>
+                <a16:creationId xmlns:a16="http://schemas.microsoft.com/office/drawing/2014/main" id="{CC9DFD66-0B23-9FC5-9CE3-44D3860F4382}"/>
               </a:ext>
             </a:extLst>
           </p:cNvPr>
@@ -1526,7 +1526,7 @@
           <p:cNvPr id="3" name="文本占位符 2">
             <a:extLst>
               <a:ext uri="{FF2B5EF4-FFF2-40B4-BE49-F238E27FC236}">
-                <a16:creationId xmlns:a16="http://schemas.microsoft.com/office/drawing/2014/main" id="{4BA2A2A6-3DBF-3EAC-6991-127F2E65BDFB}"/>
+                <a16:creationId xmlns:a16="http://schemas.microsoft.com/office/drawing/2014/main" id="{37EE0E29-8E79-5123-F862-424DFE434A6C}"/>
               </a:ext>
             </a:extLst>
           </p:cNvPr>
@@ -1597,7 +1597,7 @@
           <p:cNvPr id="4" name="内容占位符 3">
             <a:extLst>
               <a:ext uri="{FF2B5EF4-FFF2-40B4-BE49-F238E27FC236}">
-                <a16:creationId xmlns:a16="http://schemas.microsoft.com/office/drawing/2014/main" id="{ED4C9655-CC4F-15AD-7A4F-C8DB4DC07B29}"/>
+                <a16:creationId xmlns:a16="http://schemas.microsoft.com/office/drawing/2014/main" id="{65524791-3A63-2539-58FD-91C168596021}"/>
               </a:ext>
             </a:extLst>
           </p:cNvPr>
@@ -1659,7 +1659,7 @@
           <p:cNvPr id="5" name="文本占位符 4">
             <a:extLst>
               <a:ext uri="{FF2B5EF4-FFF2-40B4-BE49-F238E27FC236}">
-                <a16:creationId xmlns:a16="http://schemas.microsoft.com/office/drawing/2014/main" id="{D1DCB625-D5BC-6008-5066-68AC868BC1B1}"/>
+                <a16:creationId xmlns:a16="http://schemas.microsoft.com/office/drawing/2014/main" id="{303BC8CD-A1EC-6973-6DCF-A5D843C4917B}"/>
               </a:ext>
             </a:extLst>
           </p:cNvPr>
@@ -1730,7 +1730,7 @@
           <p:cNvPr id="6" name="内容占位符 5">
             <a:extLst>
               <a:ext uri="{FF2B5EF4-FFF2-40B4-BE49-F238E27FC236}">
-                <a16:creationId xmlns:a16="http://schemas.microsoft.com/office/drawing/2014/main" id="{0F85FEFE-CFFC-64F7-9F53-BCFFC75EF6D2}"/>
+                <a16:creationId xmlns:a16="http://schemas.microsoft.com/office/drawing/2014/main" id="{2D369D86-E8F9-0CE2-63B0-58FB47BD8A1F}"/>
               </a:ext>
             </a:extLst>
           </p:cNvPr>
@@ -1792,7 +1792,7 @@
           <p:cNvPr id="7" name="日期占位符 6">
             <a:extLst>
               <a:ext uri="{FF2B5EF4-FFF2-40B4-BE49-F238E27FC236}">
-                <a16:creationId xmlns:a16="http://schemas.microsoft.com/office/drawing/2014/main" id="{6EA353BC-AE5D-EA4A-7125-E2A1360433A0}"/>
+                <a16:creationId xmlns:a16="http://schemas.microsoft.com/office/drawing/2014/main" id="{4268F4F1-A397-7453-6D7F-754057D37523}"/>
               </a:ext>
             </a:extLst>
           </p:cNvPr>
@@ -1808,7 +1808,7 @@
           <a:bodyPr/>
           <a:lstStyle/>
           <a:p>
-            <a:fld id="{9B991F5E-D514-49CF-BAF9-0135A984EAE1}" type="datetimeFigureOut">
+            <a:fld id="{C8095350-7F8E-4758-B6BF-B6BE980CD754}" type="datetimeFigureOut">
               <a:rPr lang="zh-CN" altLang="en-US" smtClean="0"/>
               <a:t>2024/3/10</a:t>
             </a:fld>
@@ -1821,7 +1821,7 @@
           <p:cNvPr id="8" name="页脚占位符 7">
             <a:extLst>
               <a:ext uri="{FF2B5EF4-FFF2-40B4-BE49-F238E27FC236}">
-                <a16:creationId xmlns:a16="http://schemas.microsoft.com/office/drawing/2014/main" id="{0190E4B2-B0D7-39D3-3C88-BDE341DC85DF}"/>
+                <a16:creationId xmlns:a16="http://schemas.microsoft.com/office/drawing/2014/main" id="{E118FAC0-C585-59BE-D94A-EDBD3048C8A5}"/>
               </a:ext>
             </a:extLst>
           </p:cNvPr>
@@ -1846,7 +1846,7 @@
           <p:cNvPr id="9" name="灯片编号占位符 8">
             <a:extLst>
               <a:ext uri="{FF2B5EF4-FFF2-40B4-BE49-F238E27FC236}">
-                <a16:creationId xmlns:a16="http://schemas.microsoft.com/office/drawing/2014/main" id="{891BFA0A-2D46-C7A2-4053-924A1A86D6B9}"/>
+                <a16:creationId xmlns:a16="http://schemas.microsoft.com/office/drawing/2014/main" id="{C1293C04-5E5D-5E2C-7A68-120793A42720}"/>
               </a:ext>
             </a:extLst>
           </p:cNvPr>
@@ -1862,7 +1862,7 @@
           <a:bodyPr/>
           <a:lstStyle/>
           <a:p>
-            <a:fld id="{D965DAD9-E304-440B-BFC9-F3A55D8E5F00}" type="slidenum">
+            <a:fld id="{F6BEF0DF-2CB4-4785-AE62-4670BB3B4201}" type="slidenum">
               <a:rPr lang="zh-CN" altLang="en-US" smtClean="0"/>
               <a:t>‹#›</a:t>
             </a:fld>
@@ -1873,7 +1873,7 @@
     </p:spTree>
     <p:extLst>
       <p:ext uri="{BB962C8B-B14F-4D97-AF65-F5344CB8AC3E}">
-        <p14:creationId xmlns:p14="http://schemas.microsoft.com/office/powerpoint/2010/main" val="979639033"/>
+        <p14:creationId xmlns:p14="http://schemas.microsoft.com/office/powerpoint/2010/main" val="2025336380"/>
       </p:ext>
     </p:extLst>
   </p:cSld>
@@ -1905,7 +1905,7 @@
           <p:cNvPr id="2" name="标题 1">
             <a:extLst>
               <a:ext uri="{FF2B5EF4-FFF2-40B4-BE49-F238E27FC236}">
-                <a16:creationId xmlns:a16="http://schemas.microsoft.com/office/drawing/2014/main" id="{44611D59-51C4-995C-F3A0-9A6169F9B344}"/>
+                <a16:creationId xmlns:a16="http://schemas.microsoft.com/office/drawing/2014/main" id="{EFCB1D37-B272-CEC9-EF3B-4AF6A05AF131}"/>
               </a:ext>
             </a:extLst>
           </p:cNvPr>
@@ -1933,7 +1933,7 @@
           <p:cNvPr id="3" name="日期占位符 2">
             <a:extLst>
               <a:ext uri="{FF2B5EF4-FFF2-40B4-BE49-F238E27FC236}">
-                <a16:creationId xmlns:a16="http://schemas.microsoft.com/office/drawing/2014/main" id="{D9C30A4B-9298-1D88-F364-21124E2A2B6D}"/>
+                <a16:creationId xmlns:a16="http://schemas.microsoft.com/office/drawing/2014/main" id="{C7788801-04DE-AC7D-9B3A-813ACABF2264}"/>
               </a:ext>
             </a:extLst>
           </p:cNvPr>
@@ -1949,7 +1949,7 @@
           <a:bodyPr/>
           <a:lstStyle/>
           <a:p>
-            <a:fld id="{9B991F5E-D514-49CF-BAF9-0135A984EAE1}" type="datetimeFigureOut">
+            <a:fld id="{C8095350-7F8E-4758-B6BF-B6BE980CD754}" type="datetimeFigureOut">
               <a:rPr lang="zh-CN" altLang="en-US" smtClean="0"/>
               <a:t>2024/3/10</a:t>
             </a:fld>
@@ -1962,7 +1962,7 @@
           <p:cNvPr id="4" name="页脚占位符 3">
             <a:extLst>
               <a:ext uri="{FF2B5EF4-FFF2-40B4-BE49-F238E27FC236}">
-                <a16:creationId xmlns:a16="http://schemas.microsoft.com/office/drawing/2014/main" id="{C17848A3-902A-99F2-DFD0-4079057E16A2}"/>
+                <a16:creationId xmlns:a16="http://schemas.microsoft.com/office/drawing/2014/main" id="{E499F35A-9381-FC40-223F-C217742629A7}"/>
               </a:ext>
             </a:extLst>
           </p:cNvPr>
@@ -1987,7 +1987,7 @@
           <p:cNvPr id="5" name="灯片编号占位符 4">
             <a:extLst>
               <a:ext uri="{FF2B5EF4-FFF2-40B4-BE49-F238E27FC236}">
-                <a16:creationId xmlns:a16="http://schemas.microsoft.com/office/drawing/2014/main" id="{076A0381-B29D-488F-2C60-7C884B264617}"/>
+                <a16:creationId xmlns:a16="http://schemas.microsoft.com/office/drawing/2014/main" id="{EAD9D63D-0454-3DD1-CCD8-B327B0D9D786}"/>
               </a:ext>
             </a:extLst>
           </p:cNvPr>
@@ -2003,7 +2003,7 @@
           <a:bodyPr/>
           <a:lstStyle/>
           <a:p>
-            <a:fld id="{D965DAD9-E304-440B-BFC9-F3A55D8E5F00}" type="slidenum">
+            <a:fld id="{F6BEF0DF-2CB4-4785-AE62-4670BB3B4201}" type="slidenum">
               <a:rPr lang="zh-CN" altLang="en-US" smtClean="0"/>
               <a:t>‹#›</a:t>
             </a:fld>
@@ -2014,7 +2014,7 @@
     </p:spTree>
     <p:extLst>
       <p:ext uri="{BB962C8B-B14F-4D97-AF65-F5344CB8AC3E}">
-        <p14:creationId xmlns:p14="http://schemas.microsoft.com/office/powerpoint/2010/main" val="418322390"/>
+        <p14:creationId xmlns:p14="http://schemas.microsoft.com/office/powerpoint/2010/main" val="1597633756"/>
       </p:ext>
     </p:extLst>
   </p:cSld>
@@ -2046,7 +2046,7 @@
           <p:cNvPr id="2" name="日期占位符 1">
             <a:extLst>
               <a:ext uri="{FF2B5EF4-FFF2-40B4-BE49-F238E27FC236}">
-                <a16:creationId xmlns:a16="http://schemas.microsoft.com/office/drawing/2014/main" id="{09CE0136-CE95-C3DD-8C4D-37567CBF6068}"/>
+                <a16:creationId xmlns:a16="http://schemas.microsoft.com/office/drawing/2014/main" id="{36DCF443-80B7-8C7C-D3EE-CA3659D3845E}"/>
               </a:ext>
             </a:extLst>
           </p:cNvPr>
@@ -2062,7 +2062,7 @@
           <a:bodyPr/>
           <a:lstStyle/>
           <a:p>
-            <a:fld id="{9B991F5E-D514-49CF-BAF9-0135A984EAE1}" type="datetimeFigureOut">
+            <a:fld id="{C8095350-7F8E-4758-B6BF-B6BE980CD754}" type="datetimeFigureOut">
               <a:rPr lang="zh-CN" altLang="en-US" smtClean="0"/>
               <a:t>2024/3/10</a:t>
             </a:fld>
@@ -2075,7 +2075,7 @@
           <p:cNvPr id="3" name="页脚占位符 2">
             <a:extLst>
               <a:ext uri="{FF2B5EF4-FFF2-40B4-BE49-F238E27FC236}">
-                <a16:creationId xmlns:a16="http://schemas.microsoft.com/office/drawing/2014/main" id="{ACA1701E-4D20-5C96-AFD6-7770DAA1143A}"/>
+                <a16:creationId xmlns:a16="http://schemas.microsoft.com/office/drawing/2014/main" id="{D37F3963-8E22-6C59-AA24-989C7A90B378}"/>
               </a:ext>
             </a:extLst>
           </p:cNvPr>
@@ -2100,7 +2100,7 @@
           <p:cNvPr id="4" name="灯片编号占位符 3">
             <a:extLst>
               <a:ext uri="{FF2B5EF4-FFF2-40B4-BE49-F238E27FC236}">
-                <a16:creationId xmlns:a16="http://schemas.microsoft.com/office/drawing/2014/main" id="{6C5ACFE1-608B-805F-4F12-A355B9ED02D6}"/>
+                <a16:creationId xmlns:a16="http://schemas.microsoft.com/office/drawing/2014/main" id="{2B9E0845-F5EA-8494-EE6F-F4F5B03FE62C}"/>
               </a:ext>
             </a:extLst>
           </p:cNvPr>
@@ -2116,7 +2116,7 @@
           <a:bodyPr/>
           <a:lstStyle/>
           <a:p>
-            <a:fld id="{D965DAD9-E304-440B-BFC9-F3A55D8E5F00}" type="slidenum">
+            <a:fld id="{F6BEF0DF-2CB4-4785-AE62-4670BB3B4201}" type="slidenum">
               <a:rPr lang="zh-CN" altLang="en-US" smtClean="0"/>
               <a:t>‹#›</a:t>
             </a:fld>
@@ -2127,7 +2127,7 @@
     </p:spTree>
     <p:extLst>
       <p:ext uri="{BB962C8B-B14F-4D97-AF65-F5344CB8AC3E}">
-        <p14:creationId xmlns:p14="http://schemas.microsoft.com/office/powerpoint/2010/main" val="207109819"/>
+        <p14:creationId xmlns:p14="http://schemas.microsoft.com/office/powerpoint/2010/main" val="3211872887"/>
       </p:ext>
     </p:extLst>
   </p:cSld>
@@ -2159,7 +2159,7 @@
           <p:cNvPr id="2" name="标题 1">
             <a:extLst>
               <a:ext uri="{FF2B5EF4-FFF2-40B4-BE49-F238E27FC236}">
-                <a16:creationId xmlns:a16="http://schemas.microsoft.com/office/drawing/2014/main" id="{F499898B-EA08-35C6-53F9-6B81ACC58B9E}"/>
+                <a16:creationId xmlns:a16="http://schemas.microsoft.com/office/drawing/2014/main" id="{4FD4B681-CFA9-94C7-9EF4-4524636A08C5}"/>
               </a:ext>
             </a:extLst>
           </p:cNvPr>
@@ -2196,7 +2196,7 @@
           <p:cNvPr id="3" name="内容占位符 2">
             <a:extLst>
               <a:ext uri="{FF2B5EF4-FFF2-40B4-BE49-F238E27FC236}">
-                <a16:creationId xmlns:a16="http://schemas.microsoft.com/office/drawing/2014/main" id="{7A72D394-4023-F467-D08B-8D832BD7EC04}"/>
+                <a16:creationId xmlns:a16="http://schemas.microsoft.com/office/drawing/2014/main" id="{5AC78689-D1D8-BAF6-E2C3-E2DEE1E01DEB}"/>
               </a:ext>
             </a:extLst>
           </p:cNvPr>
@@ -2286,7 +2286,7 @@
           <p:cNvPr id="4" name="文本占位符 3">
             <a:extLst>
               <a:ext uri="{FF2B5EF4-FFF2-40B4-BE49-F238E27FC236}">
-                <a16:creationId xmlns:a16="http://schemas.microsoft.com/office/drawing/2014/main" id="{BDD1765A-64C7-18E7-FE28-A907241C9BEB}"/>
+                <a16:creationId xmlns:a16="http://schemas.microsoft.com/office/drawing/2014/main" id="{748F6976-727F-3812-FB96-1950545389DB}"/>
               </a:ext>
             </a:extLst>
           </p:cNvPr>
@@ -2357,7 +2357,7 @@
           <p:cNvPr id="5" name="日期占位符 4">
             <a:extLst>
               <a:ext uri="{FF2B5EF4-FFF2-40B4-BE49-F238E27FC236}">
-                <a16:creationId xmlns:a16="http://schemas.microsoft.com/office/drawing/2014/main" id="{462B7BDB-F49F-95FD-B216-0565DC1C7FA5}"/>
+                <a16:creationId xmlns:a16="http://schemas.microsoft.com/office/drawing/2014/main" id="{B8B59DCE-383B-3BC3-2CD2-BBEA689EC821}"/>
               </a:ext>
             </a:extLst>
           </p:cNvPr>
@@ -2373,7 +2373,7 @@
           <a:bodyPr/>
           <a:lstStyle/>
           <a:p>
-            <a:fld id="{9B991F5E-D514-49CF-BAF9-0135A984EAE1}" type="datetimeFigureOut">
+            <a:fld id="{C8095350-7F8E-4758-B6BF-B6BE980CD754}" type="datetimeFigureOut">
               <a:rPr lang="zh-CN" altLang="en-US" smtClean="0"/>
               <a:t>2024/3/10</a:t>
             </a:fld>
@@ -2386,7 +2386,7 @@
           <p:cNvPr id="6" name="页脚占位符 5">
             <a:extLst>
               <a:ext uri="{FF2B5EF4-FFF2-40B4-BE49-F238E27FC236}">
-                <a16:creationId xmlns:a16="http://schemas.microsoft.com/office/drawing/2014/main" id="{54F51A64-6219-82DB-24EB-9654EBB388B9}"/>
+                <a16:creationId xmlns:a16="http://schemas.microsoft.com/office/drawing/2014/main" id="{8F4D8D82-4701-2BB9-B782-D0DC1258F22A}"/>
               </a:ext>
             </a:extLst>
           </p:cNvPr>
@@ -2411,7 +2411,7 @@
           <p:cNvPr id="7" name="灯片编号占位符 6">
             <a:extLst>
               <a:ext uri="{FF2B5EF4-FFF2-40B4-BE49-F238E27FC236}">
-                <a16:creationId xmlns:a16="http://schemas.microsoft.com/office/drawing/2014/main" id="{CD8BC6FE-85DA-BB14-583E-AFE2396FF949}"/>
+                <a16:creationId xmlns:a16="http://schemas.microsoft.com/office/drawing/2014/main" id="{8750D613-4E69-6AB4-E616-E633012EC940}"/>
               </a:ext>
             </a:extLst>
           </p:cNvPr>
@@ -2427,7 +2427,7 @@
           <a:bodyPr/>
           <a:lstStyle/>
           <a:p>
-            <a:fld id="{D965DAD9-E304-440B-BFC9-F3A55D8E5F00}" type="slidenum">
+            <a:fld id="{F6BEF0DF-2CB4-4785-AE62-4670BB3B4201}" type="slidenum">
               <a:rPr lang="zh-CN" altLang="en-US" smtClean="0"/>
               <a:t>‹#›</a:t>
             </a:fld>
@@ -2438,7 +2438,7 @@
     </p:spTree>
     <p:extLst>
       <p:ext uri="{BB962C8B-B14F-4D97-AF65-F5344CB8AC3E}">
-        <p14:creationId xmlns:p14="http://schemas.microsoft.com/office/powerpoint/2010/main" val="545059034"/>
+        <p14:creationId xmlns:p14="http://schemas.microsoft.com/office/powerpoint/2010/main" val="1091631622"/>
       </p:ext>
     </p:extLst>
   </p:cSld>
@@ -2470,7 +2470,7 @@
           <p:cNvPr id="2" name="标题 1">
             <a:extLst>
               <a:ext uri="{FF2B5EF4-FFF2-40B4-BE49-F238E27FC236}">
-                <a16:creationId xmlns:a16="http://schemas.microsoft.com/office/drawing/2014/main" id="{BD9A1983-17CA-52A5-004F-1C33529FA1C9}"/>
+                <a16:creationId xmlns:a16="http://schemas.microsoft.com/office/drawing/2014/main" id="{7D513F4C-1BE5-F3D9-5539-814321D1836E}"/>
               </a:ext>
             </a:extLst>
           </p:cNvPr>
@@ -2507,7 +2507,7 @@
           <p:cNvPr id="3" name="图片占位符 2">
             <a:extLst>
               <a:ext uri="{FF2B5EF4-FFF2-40B4-BE49-F238E27FC236}">
-                <a16:creationId xmlns:a16="http://schemas.microsoft.com/office/drawing/2014/main" id="{09352A89-5396-0BBA-25BD-31E246C1E846}"/>
+                <a16:creationId xmlns:a16="http://schemas.microsoft.com/office/drawing/2014/main" id="{4F3D872E-4257-3081-6D95-8760A1902134}"/>
               </a:ext>
             </a:extLst>
           </p:cNvPr>
@@ -2574,7 +2574,7 @@
           <p:cNvPr id="4" name="文本占位符 3">
             <a:extLst>
               <a:ext uri="{FF2B5EF4-FFF2-40B4-BE49-F238E27FC236}">
-                <a16:creationId xmlns:a16="http://schemas.microsoft.com/office/drawing/2014/main" id="{B98F91C9-7799-AA16-E4A4-431D3DF9B9C5}"/>
+                <a16:creationId xmlns:a16="http://schemas.microsoft.com/office/drawing/2014/main" id="{1CA64A20-A85D-ECE9-000E-773B6B787932}"/>
               </a:ext>
             </a:extLst>
           </p:cNvPr>
@@ -2645,7 +2645,7 @@
           <p:cNvPr id="5" name="日期占位符 4">
             <a:extLst>
               <a:ext uri="{FF2B5EF4-FFF2-40B4-BE49-F238E27FC236}">
-                <a16:creationId xmlns:a16="http://schemas.microsoft.com/office/drawing/2014/main" id="{C7EC7C83-888B-F2A0-007C-5C2D6E2BDF5F}"/>
+                <a16:creationId xmlns:a16="http://schemas.microsoft.com/office/drawing/2014/main" id="{9BB4493D-9C03-BF04-82AC-06627AC7D640}"/>
               </a:ext>
             </a:extLst>
           </p:cNvPr>
@@ -2661,7 +2661,7 @@
           <a:bodyPr/>
           <a:lstStyle/>
           <a:p>
-            <a:fld id="{9B991F5E-D514-49CF-BAF9-0135A984EAE1}" type="datetimeFigureOut">
+            <a:fld id="{C8095350-7F8E-4758-B6BF-B6BE980CD754}" type="datetimeFigureOut">
               <a:rPr lang="zh-CN" altLang="en-US" smtClean="0"/>
               <a:t>2024/3/10</a:t>
             </a:fld>
@@ -2674,7 +2674,7 @@
           <p:cNvPr id="6" name="页脚占位符 5">
             <a:extLst>
               <a:ext uri="{FF2B5EF4-FFF2-40B4-BE49-F238E27FC236}">
-                <a16:creationId xmlns:a16="http://schemas.microsoft.com/office/drawing/2014/main" id="{54196FA2-3D0E-F6F3-708A-9919CB62828E}"/>
+                <a16:creationId xmlns:a16="http://schemas.microsoft.com/office/drawing/2014/main" id="{15E153E7-B8E1-C079-31AB-30EB2A216838}"/>
               </a:ext>
             </a:extLst>
           </p:cNvPr>
@@ -2699,7 +2699,7 @@
           <p:cNvPr id="7" name="灯片编号占位符 6">
             <a:extLst>
               <a:ext uri="{FF2B5EF4-FFF2-40B4-BE49-F238E27FC236}">
-                <a16:creationId xmlns:a16="http://schemas.microsoft.com/office/drawing/2014/main" id="{FF646164-C1D8-0FEF-8450-E503E3C807A3}"/>
+                <a16:creationId xmlns:a16="http://schemas.microsoft.com/office/drawing/2014/main" id="{5305D26B-E564-9575-455E-C676A764D222}"/>
               </a:ext>
             </a:extLst>
           </p:cNvPr>
@@ -2715,7 +2715,7 @@
           <a:bodyPr/>
           <a:lstStyle/>
           <a:p>
-            <a:fld id="{D965DAD9-E304-440B-BFC9-F3A55D8E5F00}" type="slidenum">
+            <a:fld id="{F6BEF0DF-2CB4-4785-AE62-4670BB3B4201}" type="slidenum">
               <a:rPr lang="zh-CN" altLang="en-US" smtClean="0"/>
               <a:t>‹#›</a:t>
             </a:fld>
@@ -2726,7 +2726,7 @@
     </p:spTree>
     <p:extLst>
       <p:ext uri="{BB962C8B-B14F-4D97-AF65-F5344CB8AC3E}">
-        <p14:creationId xmlns:p14="http://schemas.microsoft.com/office/powerpoint/2010/main" val="3603767353"/>
+        <p14:creationId xmlns:p14="http://schemas.microsoft.com/office/powerpoint/2010/main" val="1658262086"/>
       </p:ext>
     </p:extLst>
   </p:cSld>
@@ -2763,7 +2763,7 @@
           <p:cNvPr id="2" name="标题占位符 1">
             <a:extLst>
               <a:ext uri="{FF2B5EF4-FFF2-40B4-BE49-F238E27FC236}">
-                <a16:creationId xmlns:a16="http://schemas.microsoft.com/office/drawing/2014/main" id="{9BFCC663-9688-568A-48AF-1BDC0447328E}"/>
+                <a16:creationId xmlns:a16="http://schemas.microsoft.com/office/drawing/2014/main" id="{E10F23D6-F52F-4120-2EC5-F530A1B21E1A}"/>
               </a:ext>
             </a:extLst>
           </p:cNvPr>
@@ -2801,7 +2801,7 @@
           <p:cNvPr id="3" name="文本占位符 2">
             <a:extLst>
               <a:ext uri="{FF2B5EF4-FFF2-40B4-BE49-F238E27FC236}">
-                <a16:creationId xmlns:a16="http://schemas.microsoft.com/office/drawing/2014/main" id="{1B554F39-893D-C4C4-E05E-3198F81B5CFB}"/>
+                <a16:creationId xmlns:a16="http://schemas.microsoft.com/office/drawing/2014/main" id="{93B193F3-842E-53A3-5CD0-C252A6656F75}"/>
               </a:ext>
             </a:extLst>
           </p:cNvPr>
@@ -2868,7 +2868,7 @@
           <p:cNvPr id="4" name="日期占位符 3">
             <a:extLst>
               <a:ext uri="{FF2B5EF4-FFF2-40B4-BE49-F238E27FC236}">
-                <a16:creationId xmlns:a16="http://schemas.microsoft.com/office/drawing/2014/main" id="{3DFED9DF-695B-1CB0-DA48-344042489704}"/>
+                <a16:creationId xmlns:a16="http://schemas.microsoft.com/office/drawing/2014/main" id="{C53A6492-3779-6C52-2381-A80399E3771F}"/>
               </a:ext>
             </a:extLst>
           </p:cNvPr>
@@ -2902,7 +2902,7 @@
             </a:lvl1pPr>
           </a:lstStyle>
           <a:p>
-            <a:fld id="{9B991F5E-D514-49CF-BAF9-0135A984EAE1}" type="datetimeFigureOut">
+            <a:fld id="{C8095350-7F8E-4758-B6BF-B6BE980CD754}" type="datetimeFigureOut">
               <a:rPr lang="zh-CN" altLang="en-US" smtClean="0"/>
               <a:t>2024/3/10</a:t>
             </a:fld>
@@ -2915,7 +2915,7 @@
           <p:cNvPr id="5" name="页脚占位符 4">
             <a:extLst>
               <a:ext uri="{FF2B5EF4-FFF2-40B4-BE49-F238E27FC236}">
-                <a16:creationId xmlns:a16="http://schemas.microsoft.com/office/drawing/2014/main" id="{0BD2A435-867F-D620-FF69-3A6B9F5E5431}"/>
+                <a16:creationId xmlns:a16="http://schemas.microsoft.com/office/drawing/2014/main" id="{309D1704-DEAC-A971-6215-498414BD69B6}"/>
               </a:ext>
             </a:extLst>
           </p:cNvPr>
@@ -2958,7 +2958,7 @@
           <p:cNvPr id="6" name="灯片编号占位符 5">
             <a:extLst>
               <a:ext uri="{FF2B5EF4-FFF2-40B4-BE49-F238E27FC236}">
-                <a16:creationId xmlns:a16="http://schemas.microsoft.com/office/drawing/2014/main" id="{8A3E508F-9B6C-3FE2-DCD9-FC2D6E8CA7CA}"/>
+                <a16:creationId xmlns:a16="http://schemas.microsoft.com/office/drawing/2014/main" id="{D29EB1BD-62DE-5772-AE8C-7156A90E1995}"/>
               </a:ext>
             </a:extLst>
           </p:cNvPr>
@@ -2992,7 +2992,7 @@
             </a:lvl1pPr>
           </a:lstStyle>
           <a:p>
-            <a:fld id="{D965DAD9-E304-440B-BFC9-F3A55D8E5F00}" type="slidenum">
+            <a:fld id="{F6BEF0DF-2CB4-4785-AE62-4670BB3B4201}" type="slidenum">
               <a:rPr lang="zh-CN" altLang="en-US" smtClean="0"/>
               <a:t>‹#›</a:t>
             </a:fld>
@@ -3003,7 +3003,7 @@
     </p:spTree>
     <p:extLst>
       <p:ext uri="{BB962C8B-B14F-4D97-AF65-F5344CB8AC3E}">
-        <p14:creationId xmlns:p14="http://schemas.microsoft.com/office/powerpoint/2010/main" val="106076155"/>
+        <p14:creationId xmlns:p14="http://schemas.microsoft.com/office/powerpoint/2010/main" val="1613212965"/>
       </p:ext>
     </p:extLst>
   </p:cSld>
@@ -3323,7 +3323,7 @@
       </p:grpSpPr>
       <p:pic>
         <p:nvPicPr>
-          <p:cNvPr id="1411074" name="Picture 2" descr="1377"/>
+          <p:cNvPr id="1412098" name="Picture 2" descr="1378"/>
           <p:cNvPicPr>
             <a:picLocks noChangeAspect="1" noChangeArrowheads="1"/>
           </p:cNvPicPr>
@@ -3344,8 +3344,8 @@
         </p:blipFill>
         <p:spPr bwMode="auto">
           <a:xfrm>
-            <a:off x="1524000" y="-6350"/>
-            <a:ext cx="9124950" cy="6823075"/>
+            <a:off x="1524000" y="0"/>
+            <a:ext cx="9144000" cy="4941888"/>
           </a:xfrm>
           <a:prstGeom prst="rect">
             <a:avLst/>
